--- a/3sdaq발표.pptx
+++ b/3sdaq발표.pptx
@@ -20,7 +20,8 @@
     <p:sldId id="273" r:id="rId14"/>
     <p:sldId id="260" r:id="rId15"/>
     <p:sldId id="276" r:id="rId16"/>
-    <p:sldId id="266" r:id="rId17"/>
+    <p:sldId id="277" r:id="rId17"/>
+    <p:sldId id="266" r:id="rId18"/>
   </p:sldIdLst>
   <p:sldSz cx="12192000" cy="6858000"/>
   <p:notesSz cx="6858000" cy="9144000"/>
@@ -119,6 +120,11 @@
       </a:defRPr>
     </a:lvl9pPr>
   </p:defaultTextStyle>
+  <p:extLst>
+    <p:ext uri="{EFAFB233-063F-42B5-8137-9DF3F51BA10A}">
+      <p15:sldGuideLst xmlns:p15="http://schemas.microsoft.com/office/powerpoint/2012/main"/>
+    </p:ext>
+  </p:extLst>
 </p:presentation>
 </file>
 
@@ -8977,6 +8983,268 @@
           <a:chExt cx="0" cy="0"/>
         </a:xfrm>
       </p:grpSpPr>
+      <p:pic>
+        <p:nvPicPr>
+          <p:cNvPr id="3" name="그림 2">
+            <a:extLst>
+              <a:ext uri="{FF2B5EF4-FFF2-40B4-BE49-F238E27FC236}">
+                <a16:creationId xmlns:a16="http://schemas.microsoft.com/office/drawing/2014/main" id="{42E8BD6E-C4FE-4A32-9DFA-A71B2FA1E75E}"/>
+              </a:ext>
+            </a:extLst>
+          </p:cNvPr>
+          <p:cNvPicPr>
+            <a:picLocks noChangeAspect="1"/>
+          </p:cNvPicPr>
+          <p:nvPr/>
+        </p:nvPicPr>
+        <p:blipFill>
+          <a:blip r:embed="rId2"/>
+          <a:stretch>
+            <a:fillRect/>
+          </a:stretch>
+        </p:blipFill>
+        <p:spPr>
+          <a:xfrm>
+            <a:off x="452317" y="3049929"/>
+            <a:ext cx="904875" cy="857250"/>
+          </a:xfrm>
+          <a:prstGeom prst="rect">
+            <a:avLst/>
+          </a:prstGeom>
+        </p:spPr>
+      </p:pic>
+      <p:sp>
+        <p:nvSpPr>
+          <p:cNvPr id="5" name="제목 1">
+            <a:extLst>
+              <a:ext uri="{FF2B5EF4-FFF2-40B4-BE49-F238E27FC236}">
+                <a16:creationId xmlns:a16="http://schemas.microsoft.com/office/drawing/2014/main" id="{FBD39D64-DD03-4317-A1A7-EE20550E9E9A}"/>
+              </a:ext>
+            </a:extLst>
+          </p:cNvPr>
+          <p:cNvSpPr>
+            <a:spLocks noGrp="1"/>
+          </p:cNvSpPr>
+          <p:nvPr>
+            <p:ph type="title"/>
+          </p:nvPr>
+        </p:nvSpPr>
+        <p:spPr>
+          <a:xfrm>
+            <a:off x="317339" y="410904"/>
+            <a:ext cx="10515600" cy="1140891"/>
+          </a:xfrm>
+        </p:spPr>
+        <p:txBody>
+          <a:bodyPr/>
+          <a:lstStyle/>
+          <a:p>
+            <a:r>
+              <a:rPr lang="en-US" altLang="ko-KR" dirty="0" err="1">
+                <a:solidFill>
+                  <a:schemeClr val="bg1"/>
+                </a:solidFill>
+                <a:latin typeface="Microsoft GothicNeo" panose="020B0500000101010101" pitchFamily="50" charset="-127"/>
+                <a:ea typeface="Microsoft GothicNeo" panose="020B0500000101010101" pitchFamily="50" charset="-127"/>
+                <a:cs typeface="Microsoft GothicNeo" panose="020B0500000101010101" pitchFamily="50" charset="-127"/>
+              </a:rPr>
+              <a:t>Github</a:t>
+            </a:r>
+            <a:endParaRPr lang="ko-KR" altLang="en-US" dirty="0">
+              <a:solidFill>
+                <a:schemeClr val="bg1"/>
+              </a:solidFill>
+              <a:latin typeface="Microsoft GothicNeo" panose="020B0500000101010101" pitchFamily="50" charset="-127"/>
+              <a:ea typeface="Microsoft GothicNeo" panose="020B0500000101010101" pitchFamily="50" charset="-127"/>
+              <a:cs typeface="Microsoft GothicNeo" panose="020B0500000101010101" pitchFamily="50" charset="-127"/>
+            </a:endParaRPr>
+          </a:p>
+        </p:txBody>
+      </p:sp>
+      <p:sp>
+        <p:nvSpPr>
+          <p:cNvPr id="6" name="내용 개체 틀 2">
+            <a:extLst>
+              <a:ext uri="{FF2B5EF4-FFF2-40B4-BE49-F238E27FC236}">
+                <a16:creationId xmlns:a16="http://schemas.microsoft.com/office/drawing/2014/main" id="{D0CC0DC4-C735-4557-B415-33AFAE1F7D48}"/>
+              </a:ext>
+            </a:extLst>
+          </p:cNvPr>
+          <p:cNvSpPr>
+            <a:spLocks noGrp="1"/>
+          </p:cNvSpPr>
+          <p:nvPr>
+            <p:ph idx="1"/>
+          </p:nvPr>
+        </p:nvSpPr>
+        <p:spPr>
+          <a:xfrm>
+            <a:off x="1224083" y="2670316"/>
+            <a:ext cx="10515600" cy="3144398"/>
+          </a:xfrm>
+        </p:spPr>
+        <p:txBody>
+          <a:bodyPr>
+            <a:normAutofit/>
+          </a:bodyPr>
+          <a:lstStyle/>
+          <a:p>
+            <a:pPr marL="0" indent="0">
+              <a:lnSpc>
+                <a:spcPct val="150000"/>
+              </a:lnSpc>
+              <a:buNone/>
+            </a:pPr>
+            <a:r>
+              <a:rPr lang="en-US" altLang="ko-KR" dirty="0">
+                <a:solidFill>
+                  <a:schemeClr val="bg1"/>
+                </a:solidFill>
+                <a:latin typeface="Microsoft GothicNeo" panose="020B0500000101010101" pitchFamily="50" charset="-127"/>
+                <a:ea typeface="Microsoft GothicNeo" panose="020B0500000101010101" pitchFamily="50" charset="-127"/>
+                <a:cs typeface="Microsoft GothicNeo" panose="020B0500000101010101" pitchFamily="50" charset="-127"/>
+              </a:rPr>
+              <a:t>WELCOME </a:t>
+            </a:r>
+            <a:r>
+              <a:rPr lang="en-US" altLang="ko-KR" dirty="0">
+                <a:solidFill>
+                  <a:schemeClr val="bg1"/>
+                </a:solidFill>
+                <a:latin typeface="Microsoft GothicNeo" panose="020B0500000101010101" pitchFamily="50" charset="-127"/>
+                <a:ea typeface="Microsoft GothicNeo" panose="020B0500000101010101" pitchFamily="50" charset="-127"/>
+                <a:cs typeface="Microsoft GothicNeo" panose="020B0500000101010101" pitchFamily="50" charset="-127"/>
+                <a:sym typeface="Wingdings" panose="05000000000000000000" pitchFamily="2" charset="2"/>
+              </a:rPr>
+              <a:t></a:t>
+            </a:r>
+          </a:p>
+          <a:p>
+            <a:pPr marL="0" indent="0">
+              <a:lnSpc>
+                <a:spcPct val="150000"/>
+              </a:lnSpc>
+              <a:buNone/>
+            </a:pPr>
+            <a:r>
+              <a:rPr lang="en-US" altLang="ko-KR" dirty="0">
+                <a:solidFill>
+                  <a:schemeClr val="bg1"/>
+                </a:solidFill>
+                <a:latin typeface="Microsoft GothicNeo" panose="020B0500000101010101" pitchFamily="50" charset="-127"/>
+                <a:ea typeface="Microsoft GothicNeo" panose="020B0500000101010101" pitchFamily="50" charset="-127"/>
+                <a:cs typeface="Microsoft GothicNeo" panose="020B0500000101010101" pitchFamily="50" charset="-127"/>
+                <a:hlinkClick r:id="rId3">
+                  <a:extLst>
+                    <a:ext uri="{A12FA001-AC4F-418D-AE19-62706E023703}">
+                      <ahyp:hlinkClr xmlns:ahyp="http://schemas.microsoft.com/office/drawing/2018/hyperlinkcolor" val="tx"/>
+                    </a:ext>
+                  </a:extLst>
+                </a:hlinkClick>
+              </a:rPr>
+              <a:t>https://github.com/xswzaq789/3sdaqNEEW.git</a:t>
+            </a:r>
+            <a:endParaRPr lang="ko-KR" altLang="en-US" dirty="0">
+              <a:solidFill>
+                <a:schemeClr val="bg1"/>
+              </a:solidFill>
+              <a:latin typeface="Microsoft GothicNeo" panose="020B0500000101010101" pitchFamily="50" charset="-127"/>
+              <a:ea typeface="Microsoft GothicNeo" panose="020B0500000101010101" pitchFamily="50" charset="-127"/>
+              <a:cs typeface="Microsoft GothicNeo" panose="020B0500000101010101" pitchFamily="50" charset="-127"/>
+            </a:endParaRPr>
+          </a:p>
+        </p:txBody>
+      </p:sp>
+      <p:sp>
+        <p:nvSpPr>
+          <p:cNvPr id="7" name="액자 6">
+            <a:extLst>
+              <a:ext uri="{FF2B5EF4-FFF2-40B4-BE49-F238E27FC236}">
+                <a16:creationId xmlns:a16="http://schemas.microsoft.com/office/drawing/2014/main" id="{A0FCCB6E-3E4E-4F05-A121-9F3F16E3D2C8}"/>
+              </a:ext>
+            </a:extLst>
+          </p:cNvPr>
+          <p:cNvSpPr/>
+          <p:nvPr/>
+        </p:nvSpPr>
+        <p:spPr>
+          <a:xfrm>
+            <a:off x="-46299" y="-63661"/>
+            <a:ext cx="12303889" cy="6996896"/>
+          </a:xfrm>
+          <a:prstGeom prst="frame">
+            <a:avLst>
+              <a:gd name="adj1" fmla="val 1904"/>
+            </a:avLst>
+          </a:prstGeom>
+          <a:solidFill>
+            <a:srgbClr val="212529"/>
+          </a:solidFill>
+          <a:ln>
+            <a:solidFill>
+              <a:srgbClr val="212529"/>
+            </a:solidFill>
+          </a:ln>
+        </p:spPr>
+        <p:style>
+          <a:lnRef idx="2">
+            <a:schemeClr val="accent1">
+              <a:shade val="50000"/>
+            </a:schemeClr>
+          </a:lnRef>
+          <a:fillRef idx="1">
+            <a:schemeClr val="accent1"/>
+          </a:fillRef>
+          <a:effectRef idx="0">
+            <a:schemeClr val="accent1"/>
+          </a:effectRef>
+          <a:fontRef idx="minor">
+            <a:schemeClr val="lt1"/>
+          </a:fontRef>
+        </p:style>
+        <p:txBody>
+          <a:bodyPr rtlCol="0" anchor="ctr"/>
+          <a:lstStyle/>
+          <a:p>
+            <a:pPr algn="ctr"/>
+            <a:endParaRPr lang="ko-KR" altLang="en-US">
+              <a:solidFill>
+                <a:schemeClr val="tx1"/>
+              </a:solidFill>
+            </a:endParaRPr>
+          </a:p>
+        </p:txBody>
+      </p:sp>
+    </p:spTree>
+    <p:extLst>
+      <p:ext uri="{BB962C8B-B14F-4D97-AF65-F5344CB8AC3E}">
+        <p14:creationId xmlns:p14="http://schemas.microsoft.com/office/powerpoint/2010/main" val="1437947958"/>
+      </p:ext>
+    </p:extLst>
+  </p:cSld>
+  <p:clrMapOvr>
+    <a:masterClrMapping/>
+  </p:clrMapOvr>
+</p:sld>
+</file>
+
+<file path=ppt/slides/slide17.xml><?xml version="1.0" encoding="utf-8"?>
+<p:sld xmlns:a="http://schemas.openxmlformats.org/drawingml/2006/main" xmlns:r="http://schemas.openxmlformats.org/officeDocument/2006/relationships" xmlns:p="http://schemas.openxmlformats.org/presentationml/2006/main">
+  <p:cSld>
+    <p:spTree>
+      <p:nvGrpSpPr>
+        <p:cNvPr id="1" name=""/>
+        <p:cNvGrpSpPr/>
+        <p:nvPr/>
+      </p:nvGrpSpPr>
+      <p:grpSpPr>
+        <a:xfrm>
+          <a:off x="0" y="0"/>
+          <a:ext cx="0" cy="0"/>
+          <a:chOff x="0" y="0"/>
+          <a:chExt cx="0" cy="0"/>
+        </a:xfrm>
+      </p:grpSpPr>
       <p:sp>
         <p:nvSpPr>
           <p:cNvPr id="4" name="액자 3">
